--- a/presentations/presentation_15_Практическая_работа_35_Тестирование_в_Spring_Boot.pptx
+++ b/presentations/presentation_15_Практическая_работа_35_Тестирование_в_Spring_Boot.pptx
@@ -3158,24 +3158,17 @@
       <p:grpSpPr/>
       <p:sp>
         <p:nvSpPr>
-          <p:cNvPr id="2" name="TextBox 1"/>
-          <p:cNvSpPr txBox="1"/>
-          <p:nvPr/>
-        </p:nvSpPr>
-        <p:spPr>
-          <a:xfrm>
-            <a:off x="457200" y="457200"/>
-            <a:ext cx="8229600" cy="914400"/>
-          </a:xfrm>
-          <a:prstGeom prst="rect">
-            <a:avLst/>
-          </a:prstGeom>
-          <a:noFill/>
-        </p:spPr>
-        <p:txBody>
-          <a:bodyPr wrap="none">
-            <a:spAutoFit/>
-          </a:bodyPr>
+          <p:cNvPr id="2" name="Title 1"/>
+          <p:cNvSpPr>
+            <a:spLocks noGrp="1"/>
+          </p:cNvSpPr>
+          <p:nvPr>
+            <p:ph type="title"/>
+          </p:nvPr>
+        </p:nvSpPr>
+        <p:spPr/>
+        <p:txBody>
+          <a:bodyPr/>
           <a:lstStyle/>
           <a:p>
             <a:pPr>
@@ -3194,27 +3187,21 @@
       </p:sp>
       <p:sp>
         <p:nvSpPr>
-          <p:cNvPr id="3" name="TextBox 2"/>
-          <p:cNvSpPr txBox="1"/>
-          <p:nvPr/>
-        </p:nvSpPr>
-        <p:spPr>
-          <a:xfrm>
-            <a:off x="457200" y="1371600"/>
-            <a:ext cx="8229600" cy="5029200"/>
-          </a:xfrm>
-          <a:prstGeom prst="rect">
-            <a:avLst/>
-          </a:prstGeom>
-          <a:noFill/>
-        </p:spPr>
-        <p:txBody>
-          <a:bodyPr wrap="none">
-            <a:spAutoFit/>
-          </a:bodyPr>
+          <p:cNvPr id="3" name="Content Placeholder 2"/>
+          <p:cNvSpPr>
+            <a:spLocks noGrp="1"/>
+          </p:cNvSpPr>
+          <p:nvPr>
+            <p:ph idx="1"/>
+          </p:nvPr>
+        </p:nvSpPr>
+        <p:spPr/>
+        <p:txBody>
+          <a:bodyPr/>
           <a:lstStyle/>
           <a:p>
             <a:pPr>
+              <a:buNone/>
               <a:defRPr sz="1400" b="1">
                 <a:solidFill>
                   <a:srgbClr val="444444"/>
@@ -3228,6 +3215,7 @@
           </a:p>
           <a:p>
             <a:pPr>
+              <a:buNone/>
               <a:defRPr sz="1400" b="1">
                 <a:solidFill>
                   <a:srgbClr val="444444"/>
@@ -3241,6 +3229,7 @@
           </a:p>
           <a:p>
             <a:pPr>
+              <a:buNone/>
               <a:defRPr sz="1400">
                 <a:solidFill>
                   <a:srgbClr val="444444"/>
@@ -3254,6 +3243,7 @@
           </a:p>
           <a:p>
             <a:pPr>
+              <a:buNone/>
               <a:defRPr sz="1400">
                 <a:solidFill>
                   <a:srgbClr val="444444"/>
@@ -3267,6 +3257,7 @@
           </a:p>
           <a:p>
             <a:pPr>
+              <a:buNone/>
               <a:defRPr sz="1400">
                 <a:solidFill>
                   <a:srgbClr val="444444"/>
@@ -3300,24 +3291,17 @@
       <p:grpSpPr/>
       <p:sp>
         <p:nvSpPr>
-          <p:cNvPr id="2" name="TextBox 1"/>
-          <p:cNvSpPr txBox="1"/>
-          <p:nvPr/>
-        </p:nvSpPr>
-        <p:spPr>
-          <a:xfrm>
-            <a:off x="457200" y="457200"/>
-            <a:ext cx="8229600" cy="914400"/>
-          </a:xfrm>
-          <a:prstGeom prst="rect">
-            <a:avLst/>
-          </a:prstGeom>
-          <a:noFill/>
-        </p:spPr>
-        <p:txBody>
-          <a:bodyPr wrap="none">
-            <a:spAutoFit/>
-          </a:bodyPr>
+          <p:cNvPr id="2" name="Title 1"/>
+          <p:cNvSpPr>
+            <a:spLocks noGrp="1"/>
+          </p:cNvSpPr>
+          <p:nvPr>
+            <p:ph type="title"/>
+          </p:nvPr>
+        </p:nvSpPr>
+        <p:spPr/>
+        <p:txBody>
+          <a:bodyPr/>
           <a:lstStyle/>
           <a:p>
             <a:pPr>
@@ -3336,27 +3320,21 @@
       </p:sp>
       <p:sp>
         <p:nvSpPr>
-          <p:cNvPr id="3" name="TextBox 2"/>
-          <p:cNvSpPr txBox="1"/>
-          <p:nvPr/>
-        </p:nvSpPr>
-        <p:spPr>
-          <a:xfrm>
-            <a:off x="457200" y="1371600"/>
-            <a:ext cx="8229600" cy="5029200"/>
-          </a:xfrm>
-          <a:prstGeom prst="rect">
-            <a:avLst/>
-          </a:prstGeom>
-          <a:noFill/>
-        </p:spPr>
-        <p:txBody>
-          <a:bodyPr wrap="none">
-            <a:spAutoFit/>
-          </a:bodyPr>
+          <p:cNvPr id="3" name="Content Placeholder 2"/>
+          <p:cNvSpPr>
+            <a:spLocks noGrp="1"/>
+          </p:cNvSpPr>
+          <p:nvPr>
+            <p:ph idx="1"/>
+          </p:nvPr>
+        </p:nvSpPr>
+        <p:spPr/>
+        <p:txBody>
+          <a:bodyPr/>
           <a:lstStyle/>
           <a:p>
             <a:pPr>
+              <a:buNone/>
               <a:defRPr sz="1400">
                 <a:solidFill>
                   <a:srgbClr val="444444"/>
@@ -3370,6 +3348,7 @@
           </a:p>
           <a:p>
             <a:pPr>
+              <a:buNone/>
               <a:defRPr sz="1400">
                 <a:solidFill>
                   <a:srgbClr val="444444"/>
@@ -3383,6 +3362,7 @@
           </a:p>
           <a:p>
             <a:pPr>
+              <a:buNone/>
               <a:defRPr sz="1400">
                 <a:solidFill>
                   <a:srgbClr val="444444"/>
@@ -3396,6 +3376,7 @@
           </a:p>
           <a:p>
             <a:pPr>
+              <a:buNone/>
               <a:defRPr sz="1400">
                 <a:solidFill>
                   <a:srgbClr val="444444"/>
@@ -3409,6 +3390,7 @@
           </a:p>
           <a:p>
             <a:pPr>
+              <a:buNone/>
               <a:defRPr sz="1400">
                 <a:solidFill>
                   <a:srgbClr val="444444"/>
@@ -3442,24 +3424,17 @@
       <p:grpSpPr/>
       <p:sp>
         <p:nvSpPr>
-          <p:cNvPr id="2" name="TextBox 1"/>
-          <p:cNvSpPr txBox="1"/>
-          <p:nvPr/>
-        </p:nvSpPr>
-        <p:spPr>
-          <a:xfrm>
-            <a:off x="457200" y="457200"/>
-            <a:ext cx="8229600" cy="914400"/>
-          </a:xfrm>
-          <a:prstGeom prst="rect">
-            <a:avLst/>
-          </a:prstGeom>
-          <a:noFill/>
-        </p:spPr>
-        <p:txBody>
-          <a:bodyPr wrap="none">
-            <a:spAutoFit/>
-          </a:bodyPr>
+          <p:cNvPr id="2" name="Title 1"/>
+          <p:cNvSpPr>
+            <a:spLocks noGrp="1"/>
+          </p:cNvSpPr>
+          <p:nvPr>
+            <p:ph type="title"/>
+          </p:nvPr>
+        </p:nvSpPr>
+        <p:spPr/>
+        <p:txBody>
+          <a:bodyPr/>
           <a:lstStyle/>
           <a:p>
             <a:pPr>
@@ -3478,27 +3453,21 @@
       </p:sp>
       <p:sp>
         <p:nvSpPr>
-          <p:cNvPr id="3" name="TextBox 2"/>
-          <p:cNvSpPr txBox="1"/>
-          <p:nvPr/>
-        </p:nvSpPr>
-        <p:spPr>
-          <a:xfrm>
-            <a:off x="457200" y="1371600"/>
-            <a:ext cx="8229600" cy="5029200"/>
-          </a:xfrm>
-          <a:prstGeom prst="rect">
-            <a:avLst/>
-          </a:prstGeom>
-          <a:noFill/>
-        </p:spPr>
-        <p:txBody>
-          <a:bodyPr wrap="none">
-            <a:spAutoFit/>
-          </a:bodyPr>
+          <p:cNvPr id="3" name="Content Placeholder 2"/>
+          <p:cNvSpPr>
+            <a:spLocks noGrp="1"/>
+          </p:cNvSpPr>
+          <p:nvPr>
+            <p:ph idx="1"/>
+          </p:nvPr>
+        </p:nvSpPr>
+        <p:spPr/>
+        <p:txBody>
+          <a:bodyPr/>
           <a:lstStyle/>
           <a:p>
             <a:pPr>
+              <a:buNone/>
               <a:defRPr sz="1400" b="1">
                 <a:solidFill>
                   <a:srgbClr val="444444"/>
@@ -3512,6 +3481,7 @@
           </a:p>
           <a:p>
             <a:pPr>
+              <a:buNone/>
               <a:defRPr sz="1400" b="1">
                 <a:solidFill>
                   <a:srgbClr val="444444"/>
@@ -3525,6 +3495,7 @@
           </a:p>
           <a:p>
             <a:pPr>
+              <a:buNone/>
               <a:defRPr sz="1400" b="1">
                 <a:solidFill>
                   <a:srgbClr val="444444"/>
@@ -3538,6 +3509,7 @@
           </a:p>
           <a:p>
             <a:pPr>
+              <a:buNone/>
               <a:defRPr sz="1400" b="1">
                 <a:solidFill>
                   <a:srgbClr val="444444"/>
@@ -3551,6 +3523,7 @@
           </a:p>
           <a:p>
             <a:pPr>
+              <a:buNone/>
               <a:defRPr sz="1400" b="1">
                 <a:solidFill>
                   <a:srgbClr val="444444"/>
@@ -3564,6 +3537,7 @@
           </a:p>
           <a:p>
             <a:pPr>
+              <a:buNone/>
               <a:defRPr sz="1400" b="1">
                 <a:solidFill>
                   <a:srgbClr val="444444"/>
@@ -3577,6 +3551,7 @@
           </a:p>
           <a:p>
             <a:pPr>
+              <a:buNone/>
               <a:defRPr sz="1400" b="1">
                 <a:solidFill>
                   <a:srgbClr val="444444"/>
@@ -3590,6 +3565,7 @@
           </a:p>
           <a:p>
             <a:pPr>
+              <a:buNone/>
               <a:defRPr sz="1400" b="1">
                 <a:solidFill>
                   <a:srgbClr val="444444"/>
@@ -3603,6 +3579,7 @@
           </a:p>
           <a:p>
             <a:pPr>
+              <a:buNone/>
               <a:defRPr sz="1400" b="1">
                 <a:solidFill>
                   <a:srgbClr val="444444"/>
@@ -3616,6 +3593,7 @@
           </a:p>
           <a:p>
             <a:pPr>
+              <a:buNone/>
               <a:defRPr sz="1400" b="1">
                 <a:solidFill>
                   <a:srgbClr val="444444"/>
@@ -3649,24 +3627,17 @@
       <p:grpSpPr/>
       <p:sp>
         <p:nvSpPr>
-          <p:cNvPr id="2" name="TextBox 1"/>
-          <p:cNvSpPr txBox="1"/>
-          <p:nvPr/>
-        </p:nvSpPr>
-        <p:spPr>
-          <a:xfrm>
-            <a:off x="457200" y="457200"/>
-            <a:ext cx="8229600" cy="914400"/>
-          </a:xfrm>
-          <a:prstGeom prst="rect">
-            <a:avLst/>
-          </a:prstGeom>
-          <a:noFill/>
-        </p:spPr>
-        <p:txBody>
-          <a:bodyPr wrap="none">
-            <a:spAutoFit/>
-          </a:bodyPr>
+          <p:cNvPr id="2" name="Title 1"/>
+          <p:cNvSpPr>
+            <a:spLocks noGrp="1"/>
+          </p:cNvSpPr>
+          <p:nvPr>
+            <p:ph type="title"/>
+          </p:nvPr>
+        </p:nvSpPr>
+        <p:spPr/>
+        <p:txBody>
+          <a:bodyPr/>
           <a:lstStyle/>
           <a:p>
             <a:pPr>
@@ -3685,24 +3656,17 @@
       </p:sp>
       <p:sp>
         <p:nvSpPr>
-          <p:cNvPr id="3" name="TextBox 2"/>
-          <p:cNvSpPr txBox="1"/>
-          <p:nvPr/>
-        </p:nvSpPr>
-        <p:spPr>
-          <a:xfrm>
-            <a:off x="457200" y="1371600"/>
-            <a:ext cx="8229600" cy="5029200"/>
-          </a:xfrm>
-          <a:prstGeom prst="rect">
-            <a:avLst/>
-          </a:prstGeom>
-          <a:noFill/>
-        </p:spPr>
-        <p:txBody>
-          <a:bodyPr wrap="none">
-            <a:spAutoFit/>
-          </a:bodyPr>
+          <p:cNvPr id="3" name="Content Placeholder 2"/>
+          <p:cNvSpPr>
+            <a:spLocks noGrp="1"/>
+          </p:cNvSpPr>
+          <p:nvPr>
+            <p:ph idx="1"/>
+          </p:nvPr>
+        </p:nvSpPr>
+        <p:spPr/>
+        <p:txBody>
+          <a:bodyPr/>
           <a:lstStyle/>
           <a:p/>
           <a:p>
@@ -3796,6 +3760,7 @@
           </a:p>
           <a:p>
             <a:pPr>
+              <a:buNone/>
               <a:defRPr sz="1400">
                 <a:solidFill>
                   <a:srgbClr val="444444"/>
